--- a/G2_presentation.pptx
+++ b/G2_presentation.pptx
@@ -115,7 +115,7 @@
 <file path=ppt/revisionInfo.xml><?xml version="1.0" encoding="utf-8"?>
 <p1510:revInfo xmlns:a="http://schemas.openxmlformats.org/drawingml/2006/main" xmlns:r="http://schemas.openxmlformats.org/officeDocument/2006/relationships" xmlns:p1510="http://schemas.microsoft.com/office/powerpoint/2015/10/main">
   <p1510:revLst>
-    <p1510:client id="{729858D8-B183-3B4F-8691-82494936EB1D}" v="225" dt="2023-12-10T11:24:49.044"/>
+    <p1510:client id="{729858D8-B183-3B4F-8691-82494936EB1D}" v="226" dt="2023-12-10T19:02:42.884"/>
   </p1510:revLst>
 </p1510:revInfo>
 </file>
@@ -125,12 +125,12 @@
   <pc:docChgLst>
     <pc:chgData name="Sten Raak" userId="af6c9f4c-8ba5-40c0-a559-7a0df64bffd0" providerId="ADAL" clId="{729858D8-B183-3B4F-8691-82494936EB1D}"/>
     <pc:docChg chg="undo custSel modSld">
-      <pc:chgData name="Sten Raak" userId="af6c9f4c-8ba5-40c0-a559-7a0df64bffd0" providerId="ADAL" clId="{729858D8-B183-3B4F-8691-82494936EB1D}" dt="2023-12-10T11:39:01.987" v="1233" actId="20577"/>
+      <pc:chgData name="Sten Raak" userId="af6c9f4c-8ba5-40c0-a559-7a0df64bffd0" providerId="ADAL" clId="{729858D8-B183-3B4F-8691-82494936EB1D}" dt="2023-12-10T19:19:18.355" v="1358" actId="20577"/>
       <pc:docMkLst>
         <pc:docMk/>
       </pc:docMkLst>
       <pc:sldChg chg="addSp delSp modSp mod setBg">
-        <pc:chgData name="Sten Raak" userId="af6c9f4c-8ba5-40c0-a559-7a0df64bffd0" providerId="ADAL" clId="{729858D8-B183-3B4F-8691-82494936EB1D}" dt="2023-12-10T11:39:01.987" v="1233" actId="20577"/>
+        <pc:chgData name="Sten Raak" userId="af6c9f4c-8ba5-40c0-a559-7a0df64bffd0" providerId="ADAL" clId="{729858D8-B183-3B4F-8691-82494936EB1D}" dt="2023-12-10T19:19:18.355" v="1358" actId="20577"/>
         <pc:sldMkLst>
           <pc:docMk/>
           <pc:sldMk cId="3933823578" sldId="256"/>
@@ -264,7 +264,7 @@
           </ac:spMkLst>
         </pc:spChg>
         <pc:spChg chg="add mod">
-          <ac:chgData name="Sten Raak" userId="af6c9f4c-8ba5-40c0-a559-7a0df64bffd0" providerId="ADAL" clId="{729858D8-B183-3B4F-8691-82494936EB1D}" dt="2023-12-09T10:56:15.695" v="310" actId="255"/>
+          <ac:chgData name="Sten Raak" userId="af6c9f4c-8ba5-40c0-a559-7a0df64bffd0" providerId="ADAL" clId="{729858D8-B183-3B4F-8691-82494936EB1D}" dt="2023-12-10T19:05:12.417" v="1259" actId="20577"/>
           <ac:spMkLst>
             <pc:docMk/>
             <pc:sldMk cId="3933823578" sldId="256"/>
@@ -384,7 +384,7 @@
           </ac:spMkLst>
         </pc:spChg>
         <pc:spChg chg="add mod">
-          <ac:chgData name="Sten Raak" userId="af6c9f4c-8ba5-40c0-a559-7a0df64bffd0" providerId="ADAL" clId="{729858D8-B183-3B4F-8691-82494936EB1D}" dt="2023-12-09T13:28:43.416" v="973" actId="20577"/>
+          <ac:chgData name="Sten Raak" userId="af6c9f4c-8ba5-40c0-a559-7a0df64bffd0" providerId="ADAL" clId="{729858D8-B183-3B4F-8691-82494936EB1D}" dt="2023-12-10T19:19:12.487" v="1356" actId="20577"/>
           <ac:spMkLst>
             <pc:docMk/>
             <pc:sldMk cId="3933823578" sldId="256"/>
@@ -392,7 +392,7 @@
           </ac:spMkLst>
         </pc:spChg>
         <pc:spChg chg="add mod">
-          <ac:chgData name="Sten Raak" userId="af6c9f4c-8ba5-40c0-a559-7a0df64bffd0" providerId="ADAL" clId="{729858D8-B183-3B4F-8691-82494936EB1D}" dt="2023-12-10T11:18:56.153" v="1173" actId="20577"/>
+          <ac:chgData name="Sten Raak" userId="af6c9f4c-8ba5-40c0-a559-7a0df64bffd0" providerId="ADAL" clId="{729858D8-B183-3B4F-8691-82494936EB1D}" dt="2023-12-10T19:19:18.355" v="1358" actId="20577"/>
           <ac:spMkLst>
             <pc:docMk/>
             <pc:sldMk cId="3933823578" sldId="256"/>
@@ -408,7 +408,7 @@
           </ac:graphicFrameMkLst>
         </pc:graphicFrameChg>
         <pc:graphicFrameChg chg="add mod modGraphic">
-          <ac:chgData name="Sten Raak" userId="af6c9f4c-8ba5-40c0-a559-7a0df64bffd0" providerId="ADAL" clId="{729858D8-B183-3B4F-8691-82494936EB1D}" dt="2023-12-09T13:30:21.164" v="977" actId="1076"/>
+          <ac:chgData name="Sten Raak" userId="af6c9f4c-8ba5-40c0-a559-7a0df64bffd0" providerId="ADAL" clId="{729858D8-B183-3B4F-8691-82494936EB1D}" dt="2023-12-10T19:19:02.685" v="1352" actId="20577"/>
           <ac:graphicFrameMkLst>
             <pc:docMk/>
             <pc:sldMk cId="3933823578" sldId="256"/>
@@ -453,6 +453,14 @@
             <pc:docMk/>
             <pc:sldMk cId="3933823578" sldId="256"/>
             <ac:picMk id="12" creationId="{3981463B-BFFF-AC99-2522-3CB42C4C6501}"/>
+          </ac:picMkLst>
+        </pc:picChg>
+        <pc:picChg chg="add mod">
+          <ac:chgData name="Sten Raak" userId="af6c9f4c-8ba5-40c0-a559-7a0df64bffd0" providerId="ADAL" clId="{729858D8-B183-3B4F-8691-82494936EB1D}" dt="2023-12-10T19:02:57.360" v="1238" actId="14100"/>
+          <ac:picMkLst>
+            <pc:docMk/>
+            <pc:sldMk cId="3933823578" sldId="256"/>
+            <ac:picMk id="15" creationId="{5637A377-1126-AE9D-134F-F4CDA66E10F2}"/>
           </ac:picMkLst>
         </pc:picChg>
         <pc:picChg chg="add mod">
@@ -3899,7 +3907,7 @@
         <p:spPr>
           <a:xfrm>
             <a:off x="249575" y="16969586"/>
-            <a:ext cx="9140609" cy="6247864"/>
+            <a:ext cx="9140609" cy="5632311"/>
           </a:xfrm>
           <a:prstGeom prst="rect">
             <a:avLst/>
@@ -3917,7 +3925,17 @@
               <a:rPr lang="en-GB" sz="4000" b="0" i="0" u="none" strike="noStrike" dirty="0">
                 <a:effectLst/>
               </a:rPr>
-              <a:t>From an initial 117 features in the dataset, we picked out 40 critical variables through a selection process (relevant features when applying for a loan). We excluded nine due to over 50% missing values, 1 with more than 90% -1 values, and 11 with over 90% zeroes. This refinement ensures our dataset is optimized for effective predictive </a:t>
+              <a:t>From an initial 112 features in the dataset, we picked out 40 critical variables through a selection process (relevant features when applying for a loan). We excluded seven due to over 50% missing values</a:t>
+            </a:r>
+            <a:r>
+              <a:rPr lang="en-GB" sz="4000" dirty="0"/>
+              <a:t> </a:t>
+            </a:r>
+            <a:r>
+              <a:rPr lang="en-GB" sz="4000" b="0" i="0" u="none" strike="noStrike" dirty="0">
+                <a:effectLst/>
+              </a:rPr>
+              <a:t>and 11 with over 90% zeroes. This refinement ensures our dataset is relevant for effective predictive </a:t>
             </a:r>
             <a:r>
               <a:rPr lang="en-GB" sz="4000" b="0" i="0" u="none" strike="noStrike" dirty="0" err="1">
@@ -4681,7 +4699,7 @@
           <p:nvPr>
             <p:extLst>
               <p:ext uri="{D42A27DB-BD31-4B8C-83A1-F6EECF244321}">
-                <p14:modId xmlns:p14="http://schemas.microsoft.com/office/powerpoint/2010/main" val="2509177519"/>
+                <p14:modId xmlns:p14="http://schemas.microsoft.com/office/powerpoint/2010/main" val="3825476351"/>
               </p:ext>
             </p:extLst>
           </p:nvPr>
@@ -4796,7 +4814,7 @@
                     <a:p>
                       <a:r>
                         <a:rPr lang="en-EE" dirty="0"/>
-                        <a:t>0.76</a:t>
+                        <a:t>0.77</a:t>
                       </a:r>
                     </a:p>
                   </a:txBody>
@@ -4829,7 +4847,7 @@
                     <a:p>
                       <a:r>
                         <a:rPr lang="en-EE" dirty="0"/>
-                        <a:t>0.37</a:t>
+                        <a:t>0.39</a:t>
                       </a:r>
                     </a:p>
                   </a:txBody>
@@ -4842,7 +4860,7 @@
                     <a:p>
                       <a:r>
                         <a:rPr lang="en-EE" dirty="0"/>
-                        <a:t>0.68</a:t>
+                        <a:t>0.67</a:t>
                       </a:r>
                     </a:p>
                   </a:txBody>
@@ -4873,7 +4891,7 @@
         <p:spPr>
           <a:xfrm>
             <a:off x="325849" y="34534326"/>
-            <a:ext cx="14263122" cy="5016758"/>
+            <a:ext cx="14263122" cy="3785652"/>
           </a:xfrm>
           <a:prstGeom prst="rect">
             <a:avLst/>
@@ -4903,18 +4921,11 @@
               <a:rPr lang="en-GB" sz="4000" b="0" i="0" u="none" strike="noStrike" dirty="0">
                 <a:effectLst/>
               </a:rPr>
-              <a:t> for default prediction demonstrated strong overall performance with a cross-validated AUC of 0.82 and a test set AUC of 0.79. Despite this, precision for predicting defaults was observed at 0.37, suggesting a nuanced balance between sensitivity and precision in the model's predictive capabilities.</a:t>
-            </a:r>
-          </a:p>
-          <a:p>
-            <a:pPr algn="just"/>
-            <a:endParaRPr lang="en-GB" sz="4000" dirty="0"/>
-          </a:p>
-          <a:p>
-            <a:pPr algn="just"/>
+              <a:t> for default prediction demonstrated strong overall performance with an AUC of 0.798. Despite this, precision for predicting defaults was observed at 0.39, suggesting a nuanced balance between sensitivity and precision in the model's predictive capabilities. </a:t>
+            </a:r>
             <a:r>
               <a:rPr lang="en-GB" sz="4000" dirty="0"/>
-              <a:t>The accuracy was 0.74 and an overall weighted average f1-score was 0.77.</a:t>
+              <a:t>The accuracy was 0.75 and an overall weighted average f1-score was 0.78.</a:t>
             </a:r>
           </a:p>
         </p:txBody>
@@ -4974,7 +4985,7 @@
               <a:rPr lang="en-GB" sz="4000" b="0" i="0" u="none" strike="noStrike" dirty="0">
                 <a:effectLst/>
               </a:rPr>
-              <a:t> dataset, we pruned the features from 117 to 40. </a:t>
+              <a:t> dataset, we pruned the features from 112 to 40. </a:t>
             </a:r>
           </a:p>
           <a:p>
@@ -5009,7 +5020,19 @@
               <a:rPr lang="en-GB" sz="4000" b="0" i="0" u="none" strike="noStrike" dirty="0">
                 <a:effectLst/>
               </a:rPr>
-              <a:t> performance with a cross-validated AUC and a test set AUC. However, precision for predicting defaults was 0.37, emphasizing the need for more data related to the customer (for example bank statement data or gambling). </a:t>
+              <a:t> performance with a cross-validated AUC and a test set AUC. However, precision for predicting defaults </a:t>
+            </a:r>
+            <a:r>
+              <a:rPr lang="en-GB" sz="4000" b="0" i="0" u="none" strike="noStrike">
+                <a:effectLst/>
+              </a:rPr>
+              <a:t>was 0.39, </a:t>
+            </a:r>
+            <a:r>
+              <a:rPr lang="en-GB" sz="4000" b="0" i="0" u="none" strike="noStrike" dirty="0">
+                <a:effectLst/>
+              </a:rPr>
+              <a:t>emphasizing the need for more data related to the customer (for example bank statement data or gambling). </a:t>
             </a:r>
           </a:p>
           <a:p>
@@ -5095,6 +5118,42 @@
           <a:xfrm>
             <a:off x="22335178" y="13541468"/>
             <a:ext cx="6788070" cy="8767924"/>
+          </a:xfrm>
+          <a:prstGeom prst="rect">
+            <a:avLst/>
+          </a:prstGeom>
+        </p:spPr>
+      </p:pic>
+      <p:pic>
+        <p:nvPicPr>
+          <p:cNvPr id="15" name="Graphic 14">
+            <a:extLst>
+              <a:ext uri="{FF2B5EF4-FFF2-40B4-BE49-F238E27FC236}">
+                <a16:creationId xmlns:a16="http://schemas.microsoft.com/office/drawing/2014/main" id="{5637A377-1126-AE9D-134F-F4CDA66E10F2}"/>
+              </a:ext>
+            </a:extLst>
+          </p:cNvPr>
+          <p:cNvPicPr>
+            <a:picLocks noChangeAspect="1"/>
+          </p:cNvPicPr>
+          <p:nvPr/>
+        </p:nvPicPr>
+        <p:blipFill>
+          <a:blip r:embed="rId9">
+            <a:extLst>
+              <a:ext uri="{96DAC541-7B7A-43D3-8B79-37D633B846F1}">
+                <asvg:svgBlip xmlns:asvg="http://schemas.microsoft.com/office/drawing/2016/SVG/main" r:embed="rId10"/>
+              </a:ext>
+            </a:extLst>
+          </a:blip>
+          <a:stretch>
+            <a:fillRect/>
+          </a:stretch>
+        </p:blipFill>
+        <p:spPr>
+          <a:xfrm>
+            <a:off x="359228" y="23626417"/>
+            <a:ext cx="11625129" cy="7864058"/>
           </a:xfrm>
           <a:prstGeom prst="rect">
             <a:avLst/>
